--- a/기획자료/0720 기획 내용 변경.pptx
+++ b/기획자료/0720 기획 내용 변경.pptx
@@ -11,8 +11,9 @@
     <p:sldId id="260" r:id="rId5"/>
     <p:sldId id="263" r:id="rId6"/>
     <p:sldId id="258" r:id="rId7"/>
-    <p:sldId id="259" r:id="rId8"/>
-    <p:sldId id="262" r:id="rId9"/>
+    <p:sldId id="264" r:id="rId8"/>
+    <p:sldId id="259" r:id="rId9"/>
+    <p:sldId id="262" r:id="rId10"/>
   </p:sldIdLst>
   <p:sldSz cx="12192000" cy="6858000"/>
   <p:notesSz cx="6858000" cy="9144000"/>
@@ -266,7 +267,7 @@
           <a:p>
             <a:fld id="{F74040B6-4495-47D7-90D5-80A5956EE546}" type="datetimeFigureOut">
               <a:rPr lang="ko-KR" altLang="en-US" smtClean="0"/>
-              <a:t>2021-07-21</a:t>
+              <a:t>2021-07-22</a:t>
             </a:fld>
             <a:endParaRPr lang="ko-KR" altLang="en-US"/>
           </a:p>
@@ -464,7 +465,7 @@
           <a:p>
             <a:fld id="{F74040B6-4495-47D7-90D5-80A5956EE546}" type="datetimeFigureOut">
               <a:rPr lang="ko-KR" altLang="en-US" smtClean="0"/>
-              <a:t>2021-07-21</a:t>
+              <a:t>2021-07-22</a:t>
             </a:fld>
             <a:endParaRPr lang="ko-KR" altLang="en-US"/>
           </a:p>
@@ -672,7 +673,7 @@
           <a:p>
             <a:fld id="{F74040B6-4495-47D7-90D5-80A5956EE546}" type="datetimeFigureOut">
               <a:rPr lang="ko-KR" altLang="en-US" smtClean="0"/>
-              <a:t>2021-07-21</a:t>
+              <a:t>2021-07-22</a:t>
             </a:fld>
             <a:endParaRPr lang="ko-KR" altLang="en-US"/>
           </a:p>
@@ -870,7 +871,7 @@
           <a:p>
             <a:fld id="{F74040B6-4495-47D7-90D5-80A5956EE546}" type="datetimeFigureOut">
               <a:rPr lang="ko-KR" altLang="en-US" smtClean="0"/>
-              <a:t>2021-07-21</a:t>
+              <a:t>2021-07-22</a:t>
             </a:fld>
             <a:endParaRPr lang="ko-KR" altLang="en-US"/>
           </a:p>
@@ -1145,7 +1146,7 @@
           <a:p>
             <a:fld id="{F74040B6-4495-47D7-90D5-80A5956EE546}" type="datetimeFigureOut">
               <a:rPr lang="ko-KR" altLang="en-US" smtClean="0"/>
-              <a:t>2021-07-21</a:t>
+              <a:t>2021-07-22</a:t>
             </a:fld>
             <a:endParaRPr lang="ko-KR" altLang="en-US"/>
           </a:p>
@@ -1410,7 +1411,7 @@
           <a:p>
             <a:fld id="{F74040B6-4495-47D7-90D5-80A5956EE546}" type="datetimeFigureOut">
               <a:rPr lang="ko-KR" altLang="en-US" smtClean="0"/>
-              <a:t>2021-07-21</a:t>
+              <a:t>2021-07-22</a:t>
             </a:fld>
             <a:endParaRPr lang="ko-KR" altLang="en-US"/>
           </a:p>
@@ -1822,7 +1823,7 @@
           <a:p>
             <a:fld id="{F74040B6-4495-47D7-90D5-80A5956EE546}" type="datetimeFigureOut">
               <a:rPr lang="ko-KR" altLang="en-US" smtClean="0"/>
-              <a:t>2021-07-21</a:t>
+              <a:t>2021-07-22</a:t>
             </a:fld>
             <a:endParaRPr lang="ko-KR" altLang="en-US"/>
           </a:p>
@@ -1963,7 +1964,7 @@
           <a:p>
             <a:fld id="{F74040B6-4495-47D7-90D5-80A5956EE546}" type="datetimeFigureOut">
               <a:rPr lang="ko-KR" altLang="en-US" smtClean="0"/>
-              <a:t>2021-07-21</a:t>
+              <a:t>2021-07-22</a:t>
             </a:fld>
             <a:endParaRPr lang="ko-KR" altLang="en-US"/>
           </a:p>
@@ -2076,7 +2077,7 @@
           <a:p>
             <a:fld id="{F74040B6-4495-47D7-90D5-80A5956EE546}" type="datetimeFigureOut">
               <a:rPr lang="ko-KR" altLang="en-US" smtClean="0"/>
-              <a:t>2021-07-21</a:t>
+              <a:t>2021-07-22</a:t>
             </a:fld>
             <a:endParaRPr lang="ko-KR" altLang="en-US"/>
           </a:p>
@@ -2387,7 +2388,7 @@
           <a:p>
             <a:fld id="{F74040B6-4495-47D7-90D5-80A5956EE546}" type="datetimeFigureOut">
               <a:rPr lang="ko-KR" altLang="en-US" smtClean="0"/>
-              <a:t>2021-07-21</a:t>
+              <a:t>2021-07-22</a:t>
             </a:fld>
             <a:endParaRPr lang="ko-KR" altLang="en-US"/>
           </a:p>
@@ -2675,7 +2676,7 @@
           <a:p>
             <a:fld id="{F74040B6-4495-47D7-90D5-80A5956EE546}" type="datetimeFigureOut">
               <a:rPr lang="ko-KR" altLang="en-US" smtClean="0"/>
-              <a:t>2021-07-21</a:t>
+              <a:t>2021-07-22</a:t>
             </a:fld>
             <a:endParaRPr lang="ko-KR" altLang="en-US"/>
           </a:p>
@@ -2916,7 +2917,7 @@
           <a:p>
             <a:fld id="{F74040B6-4495-47D7-90D5-80A5956EE546}" type="datetimeFigureOut">
               <a:rPr lang="ko-KR" altLang="en-US" smtClean="0"/>
-              <a:t>2021-07-21</a:t>
+              <a:t>2021-07-22</a:t>
             </a:fld>
             <a:endParaRPr lang="ko-KR" altLang="en-US"/>
           </a:p>
@@ -6076,7 +6077,7 @@
                   <a:srgbClr val="FF0000"/>
                 </a:solidFill>
               </a:rPr>
-              <a:t>옷감염색</a:t>
+              <a:t>옷감 염색</a:t>
             </a:r>
             <a:endParaRPr lang="en-US" altLang="ko-KR" dirty="0">
               <a:solidFill>
@@ -6462,28 +6463,12 @@
               <a:t>, </a:t>
             </a:r>
             <a:r>
-              <a:rPr lang="ko-KR" altLang="en-US" dirty="0" err="1">
-                <a:solidFill>
-                  <a:srgbClr val="FF0000"/>
-                </a:solidFill>
-              </a:rPr>
-              <a:t>ㅇ</a:t>
-            </a:r>
-            <a:r>
-              <a:rPr lang="en-US" altLang="ko-KR" dirty="0">
-                <a:solidFill>
-                  <a:srgbClr val="FF0000"/>
-                </a:solidFill>
-              </a:rPr>
+              <a:rPr lang="ko-KR" altLang="en-US" dirty="0"/>
+              <a:t>뜰채</a:t>
+            </a:r>
+            <a:r>
+              <a:rPr lang="en-US" altLang="ko-KR" dirty="0"/>
               <a:t>, </a:t>
-            </a:r>
-            <a:r>
-              <a:rPr lang="ko-KR" altLang="en-US" dirty="0" err="1">
-                <a:solidFill>
-                  <a:srgbClr val="FF0000"/>
-                </a:solidFill>
-              </a:rPr>
-              <a:t>ㅇ</a:t>
             </a:r>
             <a:endParaRPr lang="en-US" altLang="ko-KR" dirty="0">
               <a:solidFill>
@@ -6519,29 +6504,81 @@
               <a:rPr lang="en-US" altLang="ko-KR" dirty="0"/>
               <a:t>, </a:t>
             </a:r>
-            <a:r>
-              <a:rPr lang="ko-KR" altLang="en-US" dirty="0" err="1">
-                <a:solidFill>
-                  <a:srgbClr val="FF0000"/>
-                </a:solidFill>
-              </a:rPr>
-              <a:t>ㅇ</a:t>
-            </a:r>
-            <a:r>
-              <a:rPr lang="en-US" altLang="ko-KR" dirty="0">
-                <a:solidFill>
-                  <a:srgbClr val="FF0000"/>
-                </a:solidFill>
-              </a:rPr>
+          </a:p>
+          <a:p>
+            <a:r>
+              <a:rPr lang="ko-KR" altLang="en-US" dirty="0"/>
+              <a:t>사막 </a:t>
+            </a:r>
+            <a:r>
+              <a:rPr lang="en-US" altLang="ko-KR" dirty="0"/>
+              <a:t>4</a:t>
+            </a:r>
+            <a:r>
+              <a:rPr lang="ko-KR" altLang="en-US" dirty="0"/>
+              <a:t>단계</a:t>
+            </a:r>
+            <a:r>
+              <a:rPr lang="en-US" altLang="ko-KR" dirty="0"/>
+              <a:t>: </a:t>
+            </a:r>
+            <a:r>
+              <a:rPr lang="ko-KR" altLang="en-US" dirty="0"/>
+              <a:t>작업용 앞치마</a:t>
+            </a:r>
+            <a:r>
+              <a:rPr lang="en-US" altLang="ko-KR" dirty="0"/>
               <a:t>, </a:t>
             </a:r>
             <a:r>
-              <a:rPr lang="ko-KR" altLang="en-US" dirty="0" err="1">
-                <a:solidFill>
-                  <a:srgbClr val="FF0000"/>
-                </a:solidFill>
-              </a:rPr>
-              <a:t>ㅇ</a:t>
+              <a:rPr lang="ko-KR" altLang="en-US" dirty="0"/>
+              <a:t>손톱 파일</a:t>
+            </a:r>
+            <a:r>
+              <a:rPr lang="en-US" altLang="ko-KR" dirty="0"/>
+              <a:t>, </a:t>
+            </a:r>
+            <a:r>
+              <a:rPr lang="ko-KR" altLang="en-US" dirty="0"/>
+              <a:t>핸드크림</a:t>
+            </a:r>
+            <a:endParaRPr lang="en-US" altLang="ko-KR" dirty="0"/>
+          </a:p>
+          <a:p>
+            <a:endParaRPr lang="en-US" altLang="ko-KR" dirty="0"/>
+          </a:p>
+          <a:p>
+            <a:r>
+              <a:rPr lang="ko-KR" altLang="en-US" dirty="0"/>
+              <a:t>화산 </a:t>
+            </a:r>
+            <a:r>
+              <a:rPr lang="en-US" altLang="ko-KR" dirty="0"/>
+              <a:t>3</a:t>
+            </a:r>
+            <a:r>
+              <a:rPr lang="ko-KR" altLang="en-US" dirty="0"/>
+              <a:t>단계</a:t>
+            </a:r>
+            <a:r>
+              <a:rPr lang="en-US" altLang="ko-KR" dirty="0"/>
+              <a:t>: </a:t>
+            </a:r>
+            <a:r>
+              <a:rPr lang="ko-KR" altLang="en-US" dirty="0" err="1"/>
+              <a:t>체스판</a:t>
+            </a:r>
+            <a:r>
+              <a:rPr lang="en-US" altLang="ko-KR" dirty="0"/>
+              <a:t>, </a:t>
+            </a:r>
+            <a:r>
+              <a:rPr lang="ko-KR" altLang="en-US" dirty="0"/>
+              <a:t>아령</a:t>
+            </a:r>
+            <a:r>
+              <a:rPr lang="en-US" altLang="ko-KR" dirty="0"/>
+              <a:t>,</a:t>
             </a:r>
             <a:endParaRPr lang="en-US" altLang="ko-KR" dirty="0">
               <a:solidFill>
@@ -6552,95 +6589,6 @@
           <a:p>
             <a:r>
               <a:rPr lang="ko-KR" altLang="en-US" dirty="0"/>
-              <a:t>사막 </a:t>
-            </a:r>
-            <a:r>
-              <a:rPr lang="en-US" altLang="ko-KR" dirty="0"/>
-              <a:t>4</a:t>
-            </a:r>
-            <a:r>
-              <a:rPr lang="ko-KR" altLang="en-US" dirty="0"/>
-              <a:t>단계</a:t>
-            </a:r>
-            <a:r>
-              <a:rPr lang="en-US" altLang="ko-KR" dirty="0"/>
-              <a:t>: </a:t>
-            </a:r>
-            <a:r>
-              <a:rPr lang="ko-KR" altLang="en-US" dirty="0"/>
-              <a:t>작업용 앞치마</a:t>
-            </a:r>
-            <a:r>
-              <a:rPr lang="en-US" altLang="ko-KR" dirty="0"/>
-              <a:t>, </a:t>
-            </a:r>
-            <a:r>
-              <a:rPr lang="ko-KR" altLang="en-US" dirty="0"/>
-              <a:t>손톱 파일</a:t>
-            </a:r>
-            <a:r>
-              <a:rPr lang="en-US" altLang="ko-KR" dirty="0"/>
-              <a:t>, </a:t>
-            </a:r>
-            <a:r>
-              <a:rPr lang="ko-KR" altLang="en-US" dirty="0"/>
-              <a:t>핸드크림</a:t>
-            </a:r>
-            <a:endParaRPr lang="en-US" altLang="ko-KR" dirty="0"/>
-          </a:p>
-          <a:p>
-            <a:endParaRPr lang="en-US" altLang="ko-KR" dirty="0"/>
-          </a:p>
-          <a:p>
-            <a:r>
-              <a:rPr lang="ko-KR" altLang="en-US" dirty="0"/>
-              <a:t>화산 </a:t>
-            </a:r>
-            <a:r>
-              <a:rPr lang="en-US" altLang="ko-KR" dirty="0"/>
-              <a:t>3</a:t>
-            </a:r>
-            <a:r>
-              <a:rPr lang="ko-KR" altLang="en-US" dirty="0"/>
-              <a:t>단계</a:t>
-            </a:r>
-            <a:r>
-              <a:rPr lang="en-US" altLang="ko-KR" dirty="0"/>
-              <a:t>: </a:t>
-            </a:r>
-            <a:r>
-              <a:rPr lang="ko-KR" altLang="en-US" dirty="0" err="1"/>
-              <a:t>체스판</a:t>
-            </a:r>
-            <a:r>
-              <a:rPr lang="en-US" altLang="ko-KR" dirty="0"/>
-              <a:t>, </a:t>
-            </a:r>
-            <a:r>
-              <a:rPr lang="ko-KR" altLang="en-US" dirty="0"/>
-              <a:t>아령</a:t>
-            </a:r>
-            <a:r>
-              <a:rPr lang="en-US" altLang="ko-KR" dirty="0"/>
-              <a:t>, </a:t>
-            </a:r>
-            <a:r>
-              <a:rPr lang="ko-KR" altLang="en-US" dirty="0" err="1">
-                <a:solidFill>
-                  <a:srgbClr val="FF0000"/>
-                </a:solidFill>
-              </a:rPr>
-              <a:t>ㅇ</a:t>
-            </a:r>
-            <a:endParaRPr lang="en-US" altLang="ko-KR" dirty="0">
-              <a:solidFill>
-                <a:srgbClr val="FF0000"/>
-              </a:solidFill>
-            </a:endParaRPr>
-          </a:p>
-          <a:p>
-            <a:r>
-              <a:rPr lang="ko-KR" altLang="en-US" dirty="0"/>
               <a:t>화산 </a:t>
             </a:r>
             <a:r>
@@ -6669,15 +6617,7 @@
             </a:r>
             <a:r>
               <a:rPr lang="en-US" altLang="ko-KR" dirty="0"/>
-              <a:t>, </a:t>
-            </a:r>
-            <a:r>
-              <a:rPr lang="ko-KR" altLang="en-US" dirty="0" err="1">
-                <a:solidFill>
-                  <a:srgbClr val="FF0000"/>
-                </a:solidFill>
-              </a:rPr>
-              <a:t>ㅇ</a:t>
+              <a:t>,</a:t>
             </a:r>
             <a:endParaRPr lang="en-US" altLang="ko-KR" dirty="0">
               <a:solidFill>
@@ -6773,7 +6713,12 @@
             <p:ph idx="1"/>
           </p:nvPr>
         </p:nvSpPr>
-        <p:spPr/>
+        <p:spPr>
+          <a:xfrm>
+            <a:off x="838200" y="1825625"/>
+            <a:ext cx="10515600" cy="662256"/>
+          </a:xfrm>
+        </p:spPr>
         <p:txBody>
           <a:bodyPr/>
           <a:lstStyle/>
@@ -6793,6 +6738,531 @@
             <a:r>
               <a:rPr lang="en-US" altLang="ko-KR" dirty="0"/>
               <a:t>.</a:t>
+            </a:r>
+          </a:p>
+        </p:txBody>
+      </p:sp>
+      <p:sp>
+        <p:nvSpPr>
+          <p:cNvPr id="6" name="내용 개체 틀 2">
+            <a:extLst>
+              <a:ext uri="{FF2B5EF4-FFF2-40B4-BE49-F238E27FC236}">
+                <a16:creationId xmlns:a16="http://schemas.microsoft.com/office/drawing/2014/main" id="{96398AF2-F86B-46D6-BE6E-2628302C0749}"/>
+              </a:ext>
+            </a:extLst>
+          </p:cNvPr>
+          <p:cNvSpPr txBox="1">
+            <a:spLocks/>
+          </p:cNvSpPr>
+          <p:nvPr/>
+        </p:nvSpPr>
+        <p:spPr>
+          <a:xfrm>
+            <a:off x="897576" y="2365953"/>
+            <a:ext cx="10781806" cy="2491055"/>
+          </a:xfrm>
+          <a:prstGeom prst="rect">
+            <a:avLst/>
+          </a:prstGeom>
+        </p:spPr>
+        <p:txBody>
+          <a:bodyPr vert="horz" lIns="91440" tIns="45720" rIns="91440" bIns="45720" rtlCol="0">
+            <a:normAutofit/>
+          </a:bodyPr>
+          <a:lstStyle>
+            <a:lvl1pPr marL="228600" indent="-228600" algn="l" defTabSz="914400" rtl="0" eaLnBrk="1" latinLnBrk="1" hangingPunct="1">
+              <a:lnSpc>
+                <a:spcPct val="90000"/>
+              </a:lnSpc>
+              <a:spcBef>
+                <a:spcPts val="1000"/>
+              </a:spcBef>
+              <a:buFont typeface="Arial" panose="020B0604020202020204" pitchFamily="34" charset="0"/>
+              <a:buChar char="•"/>
+              <a:defRPr sz="2800" kern="1200">
+                <a:solidFill>
+                  <a:schemeClr val="tx1"/>
+                </a:solidFill>
+                <a:latin typeface="+mn-lt"/>
+                <a:ea typeface="+mn-ea"/>
+                <a:cs typeface="+mn-cs"/>
+              </a:defRPr>
+            </a:lvl1pPr>
+            <a:lvl2pPr marL="685800" indent="-228600" algn="l" defTabSz="914400" rtl="0" eaLnBrk="1" latinLnBrk="1" hangingPunct="1">
+              <a:lnSpc>
+                <a:spcPct val="90000"/>
+              </a:lnSpc>
+              <a:spcBef>
+                <a:spcPts val="500"/>
+              </a:spcBef>
+              <a:buFont typeface="Arial" panose="020B0604020202020204" pitchFamily="34" charset="0"/>
+              <a:buChar char="•"/>
+              <a:defRPr sz="2400" kern="1200">
+                <a:solidFill>
+                  <a:schemeClr val="tx1"/>
+                </a:solidFill>
+                <a:latin typeface="+mn-lt"/>
+                <a:ea typeface="+mn-ea"/>
+                <a:cs typeface="+mn-cs"/>
+              </a:defRPr>
+            </a:lvl2pPr>
+            <a:lvl3pPr marL="1143000" indent="-228600" algn="l" defTabSz="914400" rtl="0" eaLnBrk="1" latinLnBrk="1" hangingPunct="1">
+              <a:lnSpc>
+                <a:spcPct val="90000"/>
+              </a:lnSpc>
+              <a:spcBef>
+                <a:spcPts val="500"/>
+              </a:spcBef>
+              <a:buFont typeface="Arial" panose="020B0604020202020204" pitchFamily="34" charset="0"/>
+              <a:buChar char="•"/>
+              <a:defRPr sz="2000" kern="1200">
+                <a:solidFill>
+                  <a:schemeClr val="tx1"/>
+                </a:solidFill>
+                <a:latin typeface="+mn-lt"/>
+                <a:ea typeface="+mn-ea"/>
+                <a:cs typeface="+mn-cs"/>
+              </a:defRPr>
+            </a:lvl3pPr>
+            <a:lvl4pPr marL="1600200" indent="-228600" algn="l" defTabSz="914400" rtl="0" eaLnBrk="1" latinLnBrk="1" hangingPunct="1">
+              <a:lnSpc>
+                <a:spcPct val="90000"/>
+              </a:lnSpc>
+              <a:spcBef>
+                <a:spcPts val="500"/>
+              </a:spcBef>
+              <a:buFont typeface="Arial" panose="020B0604020202020204" pitchFamily="34" charset="0"/>
+              <a:buChar char="•"/>
+              <a:defRPr sz="1800" kern="1200">
+                <a:solidFill>
+                  <a:schemeClr val="tx1"/>
+                </a:solidFill>
+                <a:latin typeface="+mn-lt"/>
+                <a:ea typeface="+mn-ea"/>
+                <a:cs typeface="+mn-cs"/>
+              </a:defRPr>
+            </a:lvl4pPr>
+            <a:lvl5pPr marL="2057400" indent="-228600" algn="l" defTabSz="914400" rtl="0" eaLnBrk="1" latinLnBrk="1" hangingPunct="1">
+              <a:lnSpc>
+                <a:spcPct val="90000"/>
+              </a:lnSpc>
+              <a:spcBef>
+                <a:spcPts val="500"/>
+              </a:spcBef>
+              <a:buFont typeface="Arial" panose="020B0604020202020204" pitchFamily="34" charset="0"/>
+              <a:buChar char="•"/>
+              <a:defRPr sz="1800" kern="1200">
+                <a:solidFill>
+                  <a:schemeClr val="tx1"/>
+                </a:solidFill>
+                <a:latin typeface="+mn-lt"/>
+                <a:ea typeface="+mn-ea"/>
+                <a:cs typeface="+mn-cs"/>
+              </a:defRPr>
+            </a:lvl5pPr>
+            <a:lvl6pPr marL="2514600" indent="-228600" algn="l" defTabSz="914400" rtl="0" eaLnBrk="1" latinLnBrk="1" hangingPunct="1">
+              <a:lnSpc>
+                <a:spcPct val="90000"/>
+              </a:lnSpc>
+              <a:spcBef>
+                <a:spcPts val="500"/>
+              </a:spcBef>
+              <a:buFont typeface="Arial" panose="020B0604020202020204" pitchFamily="34" charset="0"/>
+              <a:buChar char="•"/>
+              <a:defRPr sz="1800" kern="1200">
+                <a:solidFill>
+                  <a:schemeClr val="tx1"/>
+                </a:solidFill>
+                <a:latin typeface="+mn-lt"/>
+                <a:ea typeface="+mn-ea"/>
+                <a:cs typeface="+mn-cs"/>
+              </a:defRPr>
+            </a:lvl6pPr>
+            <a:lvl7pPr marL="2971800" indent="-228600" algn="l" defTabSz="914400" rtl="0" eaLnBrk="1" latinLnBrk="1" hangingPunct="1">
+              <a:lnSpc>
+                <a:spcPct val="90000"/>
+              </a:lnSpc>
+              <a:spcBef>
+                <a:spcPts val="500"/>
+              </a:spcBef>
+              <a:buFont typeface="Arial" panose="020B0604020202020204" pitchFamily="34" charset="0"/>
+              <a:buChar char="•"/>
+              <a:defRPr sz="1800" kern="1200">
+                <a:solidFill>
+                  <a:schemeClr val="tx1"/>
+                </a:solidFill>
+                <a:latin typeface="+mn-lt"/>
+                <a:ea typeface="+mn-ea"/>
+                <a:cs typeface="+mn-cs"/>
+              </a:defRPr>
+            </a:lvl7pPr>
+            <a:lvl8pPr marL="3429000" indent="-228600" algn="l" defTabSz="914400" rtl="0" eaLnBrk="1" latinLnBrk="1" hangingPunct="1">
+              <a:lnSpc>
+                <a:spcPct val="90000"/>
+              </a:lnSpc>
+              <a:spcBef>
+                <a:spcPts val="500"/>
+              </a:spcBef>
+              <a:buFont typeface="Arial" panose="020B0604020202020204" pitchFamily="34" charset="0"/>
+              <a:buChar char="•"/>
+              <a:defRPr sz="1800" kern="1200">
+                <a:solidFill>
+                  <a:schemeClr val="tx1"/>
+                </a:solidFill>
+                <a:latin typeface="+mn-lt"/>
+                <a:ea typeface="+mn-ea"/>
+                <a:cs typeface="+mn-cs"/>
+              </a:defRPr>
+            </a:lvl8pPr>
+            <a:lvl9pPr marL="3886200" indent="-228600" algn="l" defTabSz="914400" rtl="0" eaLnBrk="1" latinLnBrk="1" hangingPunct="1">
+              <a:lnSpc>
+                <a:spcPct val="90000"/>
+              </a:lnSpc>
+              <a:spcBef>
+                <a:spcPts val="500"/>
+              </a:spcBef>
+              <a:buFont typeface="Arial" panose="020B0604020202020204" pitchFamily="34" charset="0"/>
+              <a:buChar char="•"/>
+              <a:defRPr sz="1800" kern="1200">
+                <a:solidFill>
+                  <a:schemeClr val="tx1"/>
+                </a:solidFill>
+                <a:latin typeface="+mn-lt"/>
+                <a:ea typeface="+mn-ea"/>
+                <a:cs typeface="+mn-cs"/>
+              </a:defRPr>
+            </a:lvl9pPr>
+          </a:lstStyle>
+          <a:p>
+            <a:r>
+              <a:rPr lang="ko-KR" altLang="en-US" dirty="0"/>
+              <a:t>숲</a:t>
+            </a:r>
+            <a:r>
+              <a:rPr lang="en-US" altLang="ko-KR" dirty="0"/>
+              <a:t>: </a:t>
+            </a:r>
+            <a:r>
+              <a:rPr lang="ko-KR" altLang="en-US" dirty="0"/>
+              <a:t>곰</a:t>
+            </a:r>
+            <a:r>
+              <a:rPr lang="en-US" altLang="ko-KR" dirty="0"/>
+              <a:t>, </a:t>
+            </a:r>
+            <a:r>
+              <a:rPr lang="ko-KR" altLang="en-US" dirty="0"/>
+              <a:t>나무꾼</a:t>
+            </a:r>
+            <a:r>
+              <a:rPr lang="en-US" altLang="ko-KR" dirty="0"/>
+              <a:t>, </a:t>
+            </a:r>
+            <a:r>
+              <a:rPr lang="en-US" altLang="ko-KR" dirty="0">
+                <a:solidFill>
+                  <a:schemeClr val="accent6"/>
+                </a:solidFill>
+              </a:rPr>
+              <a:t>[</a:t>
+            </a:r>
+            <a:r>
+              <a:rPr lang="ko-KR" altLang="en-US" dirty="0">
+                <a:solidFill>
+                  <a:schemeClr val="accent6"/>
+                </a:solidFill>
+              </a:rPr>
+              <a:t>수진 마론</a:t>
+            </a:r>
+            <a:r>
+              <a:rPr lang="en-US" altLang="ko-KR" dirty="0">
+                <a:solidFill>
+                  <a:schemeClr val="accent6"/>
+                </a:solidFill>
+              </a:rPr>
+              <a:t>], </a:t>
+            </a:r>
+          </a:p>
+          <a:p>
+            <a:r>
+              <a:rPr lang="ko-KR" altLang="en-US" dirty="0"/>
+              <a:t>얼음</a:t>
+            </a:r>
+            <a:r>
+              <a:rPr lang="en-US" altLang="ko-KR" dirty="0"/>
+              <a:t>&amp;</a:t>
+            </a:r>
+            <a:r>
+              <a:rPr lang="ko-KR" altLang="en-US" dirty="0"/>
+              <a:t>바다</a:t>
+            </a:r>
+            <a:r>
+              <a:rPr lang="en-US" altLang="ko-KR" dirty="0"/>
+              <a:t>: </a:t>
+            </a:r>
+            <a:r>
+              <a:rPr lang="ko-KR" altLang="en-US" dirty="0"/>
+              <a:t>펭귄</a:t>
+            </a:r>
+            <a:r>
+              <a:rPr lang="en-US" altLang="ko-KR" dirty="0"/>
+              <a:t>, </a:t>
+            </a:r>
+            <a:r>
+              <a:rPr lang="ko-KR" altLang="en-US" dirty="0"/>
+              <a:t>낚시꾼</a:t>
+            </a:r>
+            <a:r>
+              <a:rPr lang="en-US" altLang="ko-KR" dirty="0"/>
+              <a:t>, </a:t>
+            </a:r>
+            <a:r>
+              <a:rPr lang="en-US" altLang="ko-KR" dirty="0">
+                <a:solidFill>
+                  <a:schemeClr val="accent6"/>
+                </a:solidFill>
+              </a:rPr>
+              <a:t>[</a:t>
+            </a:r>
+            <a:r>
+              <a:rPr lang="ko-KR" altLang="en-US" dirty="0">
+                <a:solidFill>
+                  <a:schemeClr val="accent6"/>
+                </a:solidFill>
+              </a:rPr>
+              <a:t>수진 </a:t>
+            </a:r>
+            <a:r>
+              <a:rPr lang="ko-KR" altLang="en-US" dirty="0" err="1">
+                <a:solidFill>
+                  <a:schemeClr val="accent6"/>
+                </a:solidFill>
+              </a:rPr>
+              <a:t>디에고</a:t>
+            </a:r>
+            <a:r>
+              <a:rPr lang="en-US" altLang="ko-KR" dirty="0">
+                <a:solidFill>
+                  <a:schemeClr val="accent6"/>
+                </a:solidFill>
+              </a:rPr>
+              <a:t>], [</a:t>
+            </a:r>
+            <a:r>
+              <a:rPr lang="ko-KR" altLang="en-US" dirty="0">
+                <a:solidFill>
+                  <a:schemeClr val="accent6"/>
+                </a:solidFill>
+              </a:rPr>
+              <a:t>동찬</a:t>
+            </a:r>
+            <a:r>
+              <a:rPr lang="en-US" altLang="ko-KR" dirty="0">
+                <a:solidFill>
+                  <a:schemeClr val="accent6"/>
+                </a:solidFill>
+              </a:rPr>
+              <a:t>-</a:t>
+            </a:r>
+            <a:r>
+              <a:rPr lang="ko-KR" altLang="en-US" dirty="0">
+                <a:solidFill>
+                  <a:schemeClr val="accent6"/>
+                </a:solidFill>
+              </a:rPr>
+              <a:t>마젤란</a:t>
+            </a:r>
+            <a:r>
+              <a:rPr lang="en-US" altLang="ko-KR" dirty="0">
+                <a:solidFill>
+                  <a:schemeClr val="accent6"/>
+                </a:solidFill>
+              </a:rPr>
+              <a:t>],[</a:t>
+            </a:r>
+            <a:r>
+              <a:rPr lang="ko-KR" altLang="en-US" dirty="0">
+                <a:solidFill>
+                  <a:schemeClr val="accent6"/>
+                </a:solidFill>
+              </a:rPr>
+              <a:t>민정</a:t>
+            </a:r>
+            <a:r>
+              <a:rPr lang="en-US" altLang="ko-KR" dirty="0">
+                <a:solidFill>
+                  <a:schemeClr val="accent6"/>
+                </a:solidFill>
+              </a:rPr>
+              <a:t>-</a:t>
+            </a:r>
+            <a:r>
+              <a:rPr lang="ko-KR" altLang="en-US" dirty="0">
+                <a:solidFill>
+                  <a:schemeClr val="accent6"/>
+                </a:solidFill>
+              </a:rPr>
+              <a:t>강상</a:t>
+            </a:r>
+            <a:r>
+              <a:rPr lang="en-US" altLang="ko-KR" dirty="0">
+                <a:solidFill>
+                  <a:schemeClr val="accent6"/>
+                </a:solidFill>
+              </a:rPr>
+              <a:t>] </a:t>
+            </a:r>
+          </a:p>
+          <a:p>
+            <a:r>
+              <a:rPr lang="ko-KR" altLang="en-US" dirty="0"/>
+              <a:t>사막</a:t>
+            </a:r>
+            <a:r>
+              <a:rPr lang="en-US" altLang="ko-KR" dirty="0"/>
+              <a:t>: </a:t>
+            </a:r>
+            <a:r>
+              <a:rPr lang="ko-KR" altLang="en-US" dirty="0"/>
+              <a:t>고양이</a:t>
+            </a:r>
+            <a:r>
+              <a:rPr lang="en-US" altLang="ko-KR" dirty="0"/>
+              <a:t>, </a:t>
+            </a:r>
+            <a:r>
+              <a:rPr lang="ko-KR" altLang="en-US" dirty="0"/>
+              <a:t>장인</a:t>
+            </a:r>
+            <a:r>
+              <a:rPr lang="en-US" altLang="ko-KR" dirty="0"/>
+              <a:t>, </a:t>
+            </a:r>
+            <a:r>
+              <a:rPr lang="en-US" altLang="ko-KR" dirty="0">
+                <a:solidFill>
+                  <a:schemeClr val="accent6"/>
+                </a:solidFill>
+              </a:rPr>
+              <a:t>[</a:t>
+            </a:r>
+            <a:r>
+              <a:rPr lang="ko-KR" altLang="en-US" dirty="0">
+                <a:solidFill>
+                  <a:schemeClr val="accent6"/>
+                </a:solidFill>
+              </a:rPr>
+              <a:t>민정 </a:t>
+            </a:r>
+            <a:r>
+              <a:rPr lang="ko-KR" altLang="en-US" dirty="0" err="1">
+                <a:solidFill>
+                  <a:schemeClr val="accent6"/>
+                </a:solidFill>
+              </a:rPr>
+              <a:t>헤론</a:t>
+            </a:r>
+            <a:r>
+              <a:rPr lang="en-US" altLang="ko-KR" dirty="0">
+                <a:solidFill>
+                  <a:schemeClr val="accent6"/>
+                </a:solidFill>
+              </a:rPr>
+              <a:t>], [</a:t>
+            </a:r>
+            <a:r>
+              <a:rPr lang="ko-KR" altLang="en-US" dirty="0">
+                <a:solidFill>
+                  <a:schemeClr val="accent6"/>
+                </a:solidFill>
+              </a:rPr>
+              <a:t>수진</a:t>
+            </a:r>
+            <a:r>
+              <a:rPr lang="en-US" altLang="ko-KR" dirty="0">
+                <a:solidFill>
+                  <a:schemeClr val="accent6"/>
+                </a:solidFill>
+              </a:rPr>
+              <a:t>-</a:t>
+            </a:r>
+            <a:r>
+              <a:rPr lang="ko-KR" altLang="en-US" dirty="0" err="1">
+                <a:solidFill>
+                  <a:schemeClr val="accent6"/>
+                </a:solidFill>
+              </a:rPr>
+              <a:t>네이라</a:t>
+            </a:r>
+            <a:r>
+              <a:rPr lang="en-US" altLang="ko-KR" dirty="0">
+                <a:solidFill>
+                  <a:schemeClr val="accent6"/>
+                </a:solidFill>
+              </a:rPr>
+              <a:t>]</a:t>
+            </a:r>
+          </a:p>
+          <a:p>
+            <a:r>
+              <a:rPr lang="ko-KR" altLang="en-US" dirty="0"/>
+              <a:t>화산</a:t>
+            </a:r>
+            <a:r>
+              <a:rPr lang="en-US" altLang="ko-KR" dirty="0"/>
+              <a:t>: </a:t>
+            </a:r>
+            <a:r>
+              <a:rPr lang="ko-KR" altLang="en-US" dirty="0"/>
+              <a:t>드래곤</a:t>
+            </a:r>
+            <a:r>
+              <a:rPr lang="en-US" altLang="ko-KR" dirty="0"/>
+              <a:t>, </a:t>
+            </a:r>
+            <a:r>
+              <a:rPr lang="ko-KR" altLang="en-US" dirty="0"/>
+              <a:t>길드 마스터 </a:t>
+            </a:r>
+            <a:r>
+              <a:rPr lang="en-US" altLang="ko-KR" dirty="0">
+                <a:solidFill>
+                  <a:schemeClr val="accent6"/>
+                </a:solidFill>
+              </a:rPr>
+              <a:t>[</a:t>
+            </a:r>
+            <a:r>
+              <a:rPr lang="ko-KR" altLang="en-US" dirty="0" err="1">
+                <a:solidFill>
+                  <a:schemeClr val="accent6"/>
+                </a:solidFill>
+              </a:rPr>
+              <a:t>예람</a:t>
+            </a:r>
+            <a:r>
+              <a:rPr lang="en-US" altLang="ko-KR" dirty="0">
+                <a:solidFill>
+                  <a:schemeClr val="accent6"/>
+                </a:solidFill>
+              </a:rPr>
+              <a:t>-</a:t>
+            </a:r>
+            <a:r>
+              <a:rPr lang="ko-KR" altLang="en-US" dirty="0" err="1">
+                <a:solidFill>
+                  <a:schemeClr val="accent6"/>
+                </a:solidFill>
+              </a:rPr>
+              <a:t>아그니</a:t>
+            </a:r>
+            <a:r>
+              <a:rPr lang="en-US" altLang="ko-KR" dirty="0">
+                <a:solidFill>
+                  <a:schemeClr val="accent6"/>
+                </a:solidFill>
+              </a:rPr>
+              <a:t>]</a:t>
             </a:r>
           </a:p>
         </p:txBody>
@@ -6858,6 +7328,474 @@
             </a:r>
             <a:r>
               <a:rPr lang="en-US" altLang="ko-KR" dirty="0"/>
+              <a:t>1&gt; </a:t>
+            </a:r>
+            <a:r>
+              <a:rPr lang="ko-KR" altLang="en-US" dirty="0"/>
+              <a:t>도트 이름</a:t>
+            </a:r>
+          </a:p>
+        </p:txBody>
+      </p:sp>
+      <p:sp>
+        <p:nvSpPr>
+          <p:cNvPr id="8" name="내용 개체 틀 2">
+            <a:extLst>
+              <a:ext uri="{FF2B5EF4-FFF2-40B4-BE49-F238E27FC236}">
+                <a16:creationId xmlns:a16="http://schemas.microsoft.com/office/drawing/2014/main" id="{E8D7DD4C-758E-4876-864F-2071846F142C}"/>
+              </a:ext>
+            </a:extLst>
+          </p:cNvPr>
+          <p:cNvSpPr txBox="1">
+            <a:spLocks/>
+          </p:cNvSpPr>
+          <p:nvPr/>
+        </p:nvSpPr>
+        <p:spPr>
+          <a:xfrm>
+            <a:off x="897576" y="1781299"/>
+            <a:ext cx="10781806" cy="2491055"/>
+          </a:xfrm>
+          <a:prstGeom prst="rect">
+            <a:avLst/>
+          </a:prstGeom>
+        </p:spPr>
+        <p:txBody>
+          <a:bodyPr vert="horz" lIns="91440" tIns="45720" rIns="91440" bIns="45720" rtlCol="0">
+            <a:normAutofit/>
+          </a:bodyPr>
+          <a:lstStyle>
+            <a:lvl1pPr marL="228600" indent="-228600" algn="l" defTabSz="914400" rtl="0" eaLnBrk="1" latinLnBrk="1" hangingPunct="1">
+              <a:lnSpc>
+                <a:spcPct val="90000"/>
+              </a:lnSpc>
+              <a:spcBef>
+                <a:spcPts val="1000"/>
+              </a:spcBef>
+              <a:buFont typeface="Arial" panose="020B0604020202020204" pitchFamily="34" charset="0"/>
+              <a:buChar char="•"/>
+              <a:defRPr sz="2800" kern="1200">
+                <a:solidFill>
+                  <a:schemeClr val="tx1"/>
+                </a:solidFill>
+                <a:latin typeface="+mn-lt"/>
+                <a:ea typeface="+mn-ea"/>
+                <a:cs typeface="+mn-cs"/>
+              </a:defRPr>
+            </a:lvl1pPr>
+            <a:lvl2pPr marL="685800" indent="-228600" algn="l" defTabSz="914400" rtl="0" eaLnBrk="1" latinLnBrk="1" hangingPunct="1">
+              <a:lnSpc>
+                <a:spcPct val="90000"/>
+              </a:lnSpc>
+              <a:spcBef>
+                <a:spcPts val="500"/>
+              </a:spcBef>
+              <a:buFont typeface="Arial" panose="020B0604020202020204" pitchFamily="34" charset="0"/>
+              <a:buChar char="•"/>
+              <a:defRPr sz="2400" kern="1200">
+                <a:solidFill>
+                  <a:schemeClr val="tx1"/>
+                </a:solidFill>
+                <a:latin typeface="+mn-lt"/>
+                <a:ea typeface="+mn-ea"/>
+                <a:cs typeface="+mn-cs"/>
+              </a:defRPr>
+            </a:lvl2pPr>
+            <a:lvl3pPr marL="1143000" indent="-228600" algn="l" defTabSz="914400" rtl="0" eaLnBrk="1" latinLnBrk="1" hangingPunct="1">
+              <a:lnSpc>
+                <a:spcPct val="90000"/>
+              </a:lnSpc>
+              <a:spcBef>
+                <a:spcPts val="500"/>
+              </a:spcBef>
+              <a:buFont typeface="Arial" panose="020B0604020202020204" pitchFamily="34" charset="0"/>
+              <a:buChar char="•"/>
+              <a:defRPr sz="2000" kern="1200">
+                <a:solidFill>
+                  <a:schemeClr val="tx1"/>
+                </a:solidFill>
+                <a:latin typeface="+mn-lt"/>
+                <a:ea typeface="+mn-ea"/>
+                <a:cs typeface="+mn-cs"/>
+              </a:defRPr>
+            </a:lvl3pPr>
+            <a:lvl4pPr marL="1600200" indent="-228600" algn="l" defTabSz="914400" rtl="0" eaLnBrk="1" latinLnBrk="1" hangingPunct="1">
+              <a:lnSpc>
+                <a:spcPct val="90000"/>
+              </a:lnSpc>
+              <a:spcBef>
+                <a:spcPts val="500"/>
+              </a:spcBef>
+              <a:buFont typeface="Arial" panose="020B0604020202020204" pitchFamily="34" charset="0"/>
+              <a:buChar char="•"/>
+              <a:defRPr sz="1800" kern="1200">
+                <a:solidFill>
+                  <a:schemeClr val="tx1"/>
+                </a:solidFill>
+                <a:latin typeface="+mn-lt"/>
+                <a:ea typeface="+mn-ea"/>
+                <a:cs typeface="+mn-cs"/>
+              </a:defRPr>
+            </a:lvl4pPr>
+            <a:lvl5pPr marL="2057400" indent="-228600" algn="l" defTabSz="914400" rtl="0" eaLnBrk="1" latinLnBrk="1" hangingPunct="1">
+              <a:lnSpc>
+                <a:spcPct val="90000"/>
+              </a:lnSpc>
+              <a:spcBef>
+                <a:spcPts val="500"/>
+              </a:spcBef>
+              <a:buFont typeface="Arial" panose="020B0604020202020204" pitchFamily="34" charset="0"/>
+              <a:buChar char="•"/>
+              <a:defRPr sz="1800" kern="1200">
+                <a:solidFill>
+                  <a:schemeClr val="tx1"/>
+                </a:solidFill>
+                <a:latin typeface="+mn-lt"/>
+                <a:ea typeface="+mn-ea"/>
+                <a:cs typeface="+mn-cs"/>
+              </a:defRPr>
+            </a:lvl5pPr>
+            <a:lvl6pPr marL="2514600" indent="-228600" algn="l" defTabSz="914400" rtl="0" eaLnBrk="1" latinLnBrk="1" hangingPunct="1">
+              <a:lnSpc>
+                <a:spcPct val="90000"/>
+              </a:lnSpc>
+              <a:spcBef>
+                <a:spcPts val="500"/>
+              </a:spcBef>
+              <a:buFont typeface="Arial" panose="020B0604020202020204" pitchFamily="34" charset="0"/>
+              <a:buChar char="•"/>
+              <a:defRPr sz="1800" kern="1200">
+                <a:solidFill>
+                  <a:schemeClr val="tx1"/>
+                </a:solidFill>
+                <a:latin typeface="+mn-lt"/>
+                <a:ea typeface="+mn-ea"/>
+                <a:cs typeface="+mn-cs"/>
+              </a:defRPr>
+            </a:lvl6pPr>
+            <a:lvl7pPr marL="2971800" indent="-228600" algn="l" defTabSz="914400" rtl="0" eaLnBrk="1" latinLnBrk="1" hangingPunct="1">
+              <a:lnSpc>
+                <a:spcPct val="90000"/>
+              </a:lnSpc>
+              <a:spcBef>
+                <a:spcPts val="500"/>
+              </a:spcBef>
+              <a:buFont typeface="Arial" panose="020B0604020202020204" pitchFamily="34" charset="0"/>
+              <a:buChar char="•"/>
+              <a:defRPr sz="1800" kern="1200">
+                <a:solidFill>
+                  <a:schemeClr val="tx1"/>
+                </a:solidFill>
+                <a:latin typeface="+mn-lt"/>
+                <a:ea typeface="+mn-ea"/>
+                <a:cs typeface="+mn-cs"/>
+              </a:defRPr>
+            </a:lvl7pPr>
+            <a:lvl8pPr marL="3429000" indent="-228600" algn="l" defTabSz="914400" rtl="0" eaLnBrk="1" latinLnBrk="1" hangingPunct="1">
+              <a:lnSpc>
+                <a:spcPct val="90000"/>
+              </a:lnSpc>
+              <a:spcBef>
+                <a:spcPts val="500"/>
+              </a:spcBef>
+              <a:buFont typeface="Arial" panose="020B0604020202020204" pitchFamily="34" charset="0"/>
+              <a:buChar char="•"/>
+              <a:defRPr sz="1800" kern="1200">
+                <a:solidFill>
+                  <a:schemeClr val="tx1"/>
+                </a:solidFill>
+                <a:latin typeface="+mn-lt"/>
+                <a:ea typeface="+mn-ea"/>
+                <a:cs typeface="+mn-cs"/>
+              </a:defRPr>
+            </a:lvl8pPr>
+            <a:lvl9pPr marL="3886200" indent="-228600" algn="l" defTabSz="914400" rtl="0" eaLnBrk="1" latinLnBrk="1" hangingPunct="1">
+              <a:lnSpc>
+                <a:spcPct val="90000"/>
+              </a:lnSpc>
+              <a:spcBef>
+                <a:spcPts val="500"/>
+              </a:spcBef>
+              <a:buFont typeface="Arial" panose="020B0604020202020204" pitchFamily="34" charset="0"/>
+              <a:buChar char="•"/>
+              <a:defRPr sz="1800" kern="1200">
+                <a:solidFill>
+                  <a:schemeClr val="tx1"/>
+                </a:solidFill>
+                <a:latin typeface="+mn-lt"/>
+                <a:ea typeface="+mn-ea"/>
+                <a:cs typeface="+mn-cs"/>
+              </a:defRPr>
+            </a:lvl9pPr>
+          </a:lstStyle>
+          <a:p>
+            <a:r>
+              <a:rPr lang="ko-KR" altLang="en-US" dirty="0"/>
+              <a:t>숲</a:t>
+            </a:r>
+            <a:r>
+              <a:rPr lang="en-US" altLang="ko-KR" dirty="0"/>
+              <a:t>: </a:t>
+            </a:r>
+            <a:r>
+              <a:rPr lang="ko-KR" altLang="en-US" dirty="0"/>
+              <a:t>곰</a:t>
+            </a:r>
+            <a:r>
+              <a:rPr lang="en-US" altLang="ko-KR" dirty="0"/>
+              <a:t>, </a:t>
+            </a:r>
+            <a:r>
+              <a:rPr lang="ko-KR" altLang="en-US" dirty="0"/>
+              <a:t>나무꾼</a:t>
+            </a:r>
+            <a:r>
+              <a:rPr lang="en-US" altLang="ko-KR" dirty="0"/>
+              <a:t>, </a:t>
+            </a:r>
+            <a:r>
+              <a:rPr lang="en-US" altLang="ko-KR" dirty="0">
+                <a:solidFill>
+                  <a:schemeClr val="accent6"/>
+                </a:solidFill>
+              </a:rPr>
+              <a:t>[</a:t>
+            </a:r>
+            <a:r>
+              <a:rPr lang="ko-KR" altLang="en-US" dirty="0">
+                <a:solidFill>
+                  <a:schemeClr val="accent6"/>
+                </a:solidFill>
+              </a:rPr>
+              <a:t>문식이</a:t>
+            </a:r>
+            <a:r>
+              <a:rPr lang="en-US" altLang="ko-KR" dirty="0">
+                <a:solidFill>
+                  <a:schemeClr val="accent6"/>
+                </a:solidFill>
+              </a:rPr>
+              <a:t>], </a:t>
+            </a:r>
+          </a:p>
+          <a:p>
+            <a:r>
+              <a:rPr lang="ko-KR" altLang="en-US" dirty="0"/>
+              <a:t>얼음</a:t>
+            </a:r>
+            <a:r>
+              <a:rPr lang="en-US" altLang="ko-KR" dirty="0"/>
+              <a:t>&amp;</a:t>
+            </a:r>
+            <a:r>
+              <a:rPr lang="ko-KR" altLang="en-US" dirty="0"/>
+              <a:t>바다</a:t>
+            </a:r>
+            <a:r>
+              <a:rPr lang="en-US" altLang="ko-KR" dirty="0"/>
+              <a:t>: </a:t>
+            </a:r>
+            <a:r>
+              <a:rPr lang="ko-KR" altLang="en-US" dirty="0"/>
+              <a:t>펭귄</a:t>
+            </a:r>
+            <a:r>
+              <a:rPr lang="en-US" altLang="ko-KR" dirty="0"/>
+              <a:t>, </a:t>
+            </a:r>
+            <a:r>
+              <a:rPr lang="ko-KR" altLang="en-US" dirty="0"/>
+              <a:t>낚시꾼</a:t>
+            </a:r>
+            <a:r>
+              <a:rPr lang="en-US" altLang="ko-KR" dirty="0"/>
+              <a:t>, </a:t>
+            </a:r>
+            <a:r>
+              <a:rPr lang="en-US" altLang="ko-KR" dirty="0">
+                <a:solidFill>
+                  <a:schemeClr val="accent6"/>
+                </a:solidFill>
+              </a:rPr>
+              <a:t>[</a:t>
+            </a:r>
+            <a:r>
+              <a:rPr lang="ko-KR" altLang="en-US" dirty="0" err="1">
+                <a:solidFill>
+                  <a:schemeClr val="accent6"/>
+                </a:solidFill>
+              </a:rPr>
+              <a:t>머핀</a:t>
+            </a:r>
+            <a:r>
+              <a:rPr lang="en-US" altLang="ko-KR" dirty="0">
+                <a:solidFill>
+                  <a:schemeClr val="accent6"/>
+                </a:solidFill>
+              </a:rPr>
+              <a:t>],</a:t>
+            </a:r>
+          </a:p>
+          <a:p>
+            <a:r>
+              <a:rPr lang="ko-KR" altLang="en-US" dirty="0"/>
+              <a:t>사막</a:t>
+            </a:r>
+            <a:r>
+              <a:rPr lang="en-US" altLang="ko-KR" dirty="0"/>
+              <a:t>: </a:t>
+            </a:r>
+            <a:r>
+              <a:rPr lang="ko-KR" altLang="en-US" dirty="0"/>
+              <a:t>고양이</a:t>
+            </a:r>
+            <a:r>
+              <a:rPr lang="en-US" altLang="ko-KR" dirty="0"/>
+              <a:t>, </a:t>
+            </a:r>
+            <a:r>
+              <a:rPr lang="ko-KR" altLang="en-US" dirty="0"/>
+              <a:t>장인</a:t>
+            </a:r>
+            <a:r>
+              <a:rPr lang="en-US" altLang="ko-KR" dirty="0"/>
+              <a:t>, </a:t>
+            </a:r>
+            <a:r>
+              <a:rPr lang="en-US" altLang="ko-KR" dirty="0">
+                <a:solidFill>
+                  <a:schemeClr val="accent6"/>
+                </a:solidFill>
+              </a:rPr>
+              <a:t>[</a:t>
+            </a:r>
+            <a:r>
+              <a:rPr lang="ko-KR" altLang="en-US" dirty="0" err="1">
+                <a:solidFill>
+                  <a:schemeClr val="accent6"/>
+                </a:solidFill>
+              </a:rPr>
+              <a:t>헤론</a:t>
+            </a:r>
+            <a:r>
+              <a:rPr lang="en-US" altLang="ko-KR" dirty="0">
+                <a:solidFill>
+                  <a:schemeClr val="accent6"/>
+                </a:solidFill>
+              </a:rPr>
+              <a:t>] </a:t>
+            </a:r>
+          </a:p>
+          <a:p>
+            <a:r>
+              <a:rPr lang="ko-KR" altLang="en-US" dirty="0"/>
+              <a:t>화산</a:t>
+            </a:r>
+            <a:r>
+              <a:rPr lang="en-US" altLang="ko-KR" dirty="0"/>
+              <a:t>: </a:t>
+            </a:r>
+            <a:r>
+              <a:rPr lang="ko-KR" altLang="en-US" dirty="0"/>
+              <a:t>드래곤</a:t>
+            </a:r>
+            <a:r>
+              <a:rPr lang="en-US" altLang="ko-KR" dirty="0"/>
+              <a:t>, </a:t>
+            </a:r>
+            <a:r>
+              <a:rPr lang="ko-KR" altLang="en-US" dirty="0"/>
+              <a:t>길드 마스터</a:t>
+            </a:r>
+            <a:r>
+              <a:rPr lang="en-US" altLang="ko-KR" dirty="0">
+                <a:solidFill>
+                  <a:schemeClr val="accent6"/>
+                </a:solidFill>
+              </a:rPr>
+              <a:t> [</a:t>
+            </a:r>
+            <a:r>
+              <a:rPr lang="ko-KR" altLang="en-US" dirty="0" err="1">
+                <a:solidFill>
+                  <a:schemeClr val="accent6"/>
+                </a:solidFill>
+              </a:rPr>
+              <a:t>아그니</a:t>
+            </a:r>
+            <a:r>
+              <a:rPr lang="en-US" altLang="ko-KR" dirty="0">
+                <a:solidFill>
+                  <a:schemeClr val="accent6"/>
+                </a:solidFill>
+              </a:rPr>
+              <a:t>]</a:t>
+            </a:r>
+            <a:endParaRPr lang="en-US" altLang="ko-KR" dirty="0"/>
+          </a:p>
+        </p:txBody>
+      </p:sp>
+    </p:spTree>
+    <p:extLst>
+      <p:ext uri="{BB962C8B-B14F-4D97-AF65-F5344CB8AC3E}">
+        <p14:creationId xmlns:p14="http://schemas.microsoft.com/office/powerpoint/2010/main" val="2178930122"/>
+      </p:ext>
+    </p:extLst>
+  </p:cSld>
+  <p:clrMapOvr>
+    <a:masterClrMapping/>
+  </p:clrMapOvr>
+</p:sld>
+</file>
+
+<file path=ppt/slides/slide8.xml><?xml version="1.0" encoding="utf-8"?>
+<p:sld xmlns:a="http://schemas.openxmlformats.org/drawingml/2006/main" xmlns:r="http://schemas.openxmlformats.org/officeDocument/2006/relationships" xmlns:p="http://schemas.openxmlformats.org/presentationml/2006/main">
+  <p:cSld>
+    <p:spTree>
+      <p:nvGrpSpPr>
+        <p:cNvPr id="1" name=""/>
+        <p:cNvGrpSpPr/>
+        <p:nvPr/>
+      </p:nvGrpSpPr>
+      <p:grpSpPr>
+        <a:xfrm>
+          <a:off x="0" y="0"/>
+          <a:ext cx="0" cy="0"/>
+          <a:chOff x="0" y="0"/>
+          <a:chExt cx="0" cy="0"/>
+        </a:xfrm>
+      </p:grpSpPr>
+      <p:sp>
+        <p:nvSpPr>
+          <p:cNvPr id="7" name="제목 6">
+            <a:extLst>
+              <a:ext uri="{FF2B5EF4-FFF2-40B4-BE49-F238E27FC236}">
+                <a16:creationId xmlns:a16="http://schemas.microsoft.com/office/drawing/2014/main" id="{1F3C845B-ED9A-4D26-B166-3FCDDD9E554A}"/>
+              </a:ext>
+            </a:extLst>
+          </p:cNvPr>
+          <p:cNvSpPr>
+            <a:spLocks noGrp="1"/>
+          </p:cNvSpPr>
+          <p:nvPr>
+            <p:ph type="title"/>
+          </p:nvPr>
+        </p:nvSpPr>
+        <p:spPr/>
+        <p:txBody>
+          <a:bodyPr/>
+          <a:lstStyle/>
+          <a:p>
+            <a:r>
+              <a:rPr lang="en-US" altLang="ko-KR" dirty="0"/>
+              <a:t>&lt;</a:t>
+            </a:r>
+            <a:r>
+              <a:rPr lang="ko-KR" altLang="en-US" dirty="0"/>
+              <a:t>논의</a:t>
+            </a:r>
+            <a:r>
+              <a:rPr lang="en-US" altLang="ko-KR" dirty="0"/>
               <a:t>2&gt; </a:t>
             </a:r>
             <a:endParaRPr lang="ko-KR" altLang="en-US" dirty="0"/>
@@ -6902,7 +7840,7 @@
 </p:sld>
 </file>
 
-<file path=ppt/slides/slide8.xml><?xml version="1.0" encoding="utf-8"?>
+<file path=ppt/slides/slide9.xml><?xml version="1.0" encoding="utf-8"?>
 <p:sld xmlns:a="http://schemas.openxmlformats.org/drawingml/2006/main" xmlns:r="http://schemas.openxmlformats.org/officeDocument/2006/relationships" xmlns:p="http://schemas.openxmlformats.org/presentationml/2006/main">
   <p:cSld>
     <p:spTree>
